--- a/Class09_Conceptualizing_anEmailAgentOurMindMapBrainstorm/OpenAI Agents SDK - Open Source.pptx
+++ b/Class09_Conceptualizing_anEmailAgentOurMindMapBrainstorm/OpenAI Agents SDK - Open Source.pptx
@@ -134,6 +134,7 @@
     <p:sldId id="384" r:id="rId128"/>
     <p:sldId id="385" r:id="rId129"/>
     <p:sldId id="386" r:id="rId130"/>
+    <p:sldId id="387" r:id="rId131"/>
   </p:sldIdLst>
   <p:sldSz cx="12192000" cy="6858000"/>
   <p:notesSz cx="6858000" cy="9144000"/>
@@ -406,6 +407,7 @@
             <p14:sldId id="384"/>
             <p14:sldId id="385"/>
             <p14:sldId id="386"/>
+            <p14:sldId id="387"/>
           </p14:sldIdLst>
         </p14:section>
       </p14:sectionLst>
@@ -658,7 +660,7 @@
           <a:p>
             <a:fld id="{BBBE4AF5-B231-41C3-ACE6-ADCFA8678D5A}" type="datetimeFigureOut">
               <a:rPr lang="en-PK" smtClean="0"/>
-              <a:t>09/07/2025</a:t>
+              <a:t>10/07/2025</a:t>
             </a:fld>
             <a:endParaRPr lang="en-PK"/>
           </a:p>
@@ -858,7 +860,7 @@
           <a:p>
             <a:fld id="{BBBE4AF5-B231-41C3-ACE6-ADCFA8678D5A}" type="datetimeFigureOut">
               <a:rPr lang="en-PK" smtClean="0"/>
-              <a:t>09/07/2025</a:t>
+              <a:t>10/07/2025</a:t>
             </a:fld>
             <a:endParaRPr lang="en-PK"/>
           </a:p>
@@ -1068,7 +1070,7 @@
           <a:p>
             <a:fld id="{BBBE4AF5-B231-41C3-ACE6-ADCFA8678D5A}" type="datetimeFigureOut">
               <a:rPr lang="en-PK" smtClean="0"/>
-              <a:t>09/07/2025</a:t>
+              <a:t>10/07/2025</a:t>
             </a:fld>
             <a:endParaRPr lang="en-PK"/>
           </a:p>
@@ -1268,7 +1270,7 @@
           <a:p>
             <a:fld id="{BBBE4AF5-B231-41C3-ACE6-ADCFA8678D5A}" type="datetimeFigureOut">
               <a:rPr lang="en-PK" smtClean="0"/>
-              <a:t>09/07/2025</a:t>
+              <a:t>10/07/2025</a:t>
             </a:fld>
             <a:endParaRPr lang="en-PK"/>
           </a:p>
@@ -1544,7 +1546,7 @@
           <a:p>
             <a:fld id="{BBBE4AF5-B231-41C3-ACE6-ADCFA8678D5A}" type="datetimeFigureOut">
               <a:rPr lang="en-PK" smtClean="0"/>
-              <a:t>09/07/2025</a:t>
+              <a:t>10/07/2025</a:t>
             </a:fld>
             <a:endParaRPr lang="en-PK"/>
           </a:p>
@@ -1812,7 +1814,7 @@
           <a:p>
             <a:fld id="{BBBE4AF5-B231-41C3-ACE6-ADCFA8678D5A}" type="datetimeFigureOut">
               <a:rPr lang="en-PK" smtClean="0"/>
-              <a:t>09/07/2025</a:t>
+              <a:t>10/07/2025</a:t>
             </a:fld>
             <a:endParaRPr lang="en-PK"/>
           </a:p>
@@ -2227,7 +2229,7 @@
           <a:p>
             <a:fld id="{BBBE4AF5-B231-41C3-ACE6-ADCFA8678D5A}" type="datetimeFigureOut">
               <a:rPr lang="en-PK" smtClean="0"/>
-              <a:t>09/07/2025</a:t>
+              <a:t>10/07/2025</a:t>
             </a:fld>
             <a:endParaRPr lang="en-PK"/>
           </a:p>
@@ -2369,7 +2371,7 @@
           <a:p>
             <a:fld id="{BBBE4AF5-B231-41C3-ACE6-ADCFA8678D5A}" type="datetimeFigureOut">
               <a:rPr lang="en-PK" smtClean="0"/>
-              <a:t>09/07/2025</a:t>
+              <a:t>10/07/2025</a:t>
             </a:fld>
             <a:endParaRPr lang="en-PK"/>
           </a:p>
@@ -2482,7 +2484,7 @@
           <a:p>
             <a:fld id="{BBBE4AF5-B231-41C3-ACE6-ADCFA8678D5A}" type="datetimeFigureOut">
               <a:rPr lang="en-PK" smtClean="0"/>
-              <a:t>09/07/2025</a:t>
+              <a:t>10/07/2025</a:t>
             </a:fld>
             <a:endParaRPr lang="en-PK"/>
           </a:p>
@@ -2795,7 +2797,7 @@
           <a:p>
             <a:fld id="{BBBE4AF5-B231-41C3-ACE6-ADCFA8678D5A}" type="datetimeFigureOut">
               <a:rPr lang="en-PK" smtClean="0"/>
-              <a:t>09/07/2025</a:t>
+              <a:t>10/07/2025</a:t>
             </a:fld>
             <a:endParaRPr lang="en-PK"/>
           </a:p>
@@ -3084,7 +3086,7 @@
           <a:p>
             <a:fld id="{BBBE4AF5-B231-41C3-ACE6-ADCFA8678D5A}" type="datetimeFigureOut">
               <a:rPr lang="en-PK" smtClean="0"/>
-              <a:t>09/07/2025</a:t>
+              <a:t>10/07/2025</a:t>
             </a:fld>
             <a:endParaRPr lang="en-PK"/>
           </a:p>
@@ -3327,7 +3329,7 @@
           <a:p>
             <a:fld id="{BBBE4AF5-B231-41C3-ACE6-ADCFA8678D5A}" type="datetimeFigureOut">
               <a:rPr lang="en-PK" smtClean="0"/>
-              <a:t>09/07/2025</a:t>
+              <a:t>10/07/2025</a:t>
             </a:fld>
             <a:endParaRPr lang="en-PK"/>
           </a:p>
@@ -9005,7 +9007,7 @@
         <p:spPr/>
         <p:txBody>
           <a:bodyPr>
-            <a:normAutofit lnSpcReduction="10000"/>
+            <a:normAutofit fontScale="92500" lnSpcReduction="10000"/>
           </a:bodyPr>
           <a:lstStyle/>
           <a:p>
@@ -10338,7 +10340,7 @@
         </p:spPr>
         <p:txBody>
           <a:bodyPr>
-            <a:normAutofit/>
+            <a:normAutofit fontScale="85000" lnSpcReduction="20000"/>
           </a:bodyPr>
           <a:lstStyle/>
           <a:p>
@@ -10417,9 +10419,64 @@
               </a:spcAft>
             </a:pPr>
             <a:r>
-              <a:rPr lang="en-US"/>
-              <a:t> </a:t>
-            </a:r>
+              <a:rPr lang="en-US" dirty="0"/>
+              <a:t>In a scalable system, we use something called a </a:t>
+            </a:r>
+            <a:r>
+              <a:rPr lang="en-US" b="1" dirty="0"/>
+              <a:t>Load Balancer</a:t>
+            </a:r>
+            <a:r>
+              <a:rPr lang="en-US" dirty="0"/>
+              <a:t>. This sits at the top of the system and handles all user requests.</a:t>
+            </a:r>
+          </a:p>
+          <a:p>
+            <a:pPr>
+              <a:lnSpc>
+                <a:spcPct val="120000"/>
+              </a:lnSpc>
+              <a:spcBef>
+                <a:spcPts val="600"/>
+              </a:spcBef>
+              <a:spcAft>
+                <a:spcPts val="600"/>
+              </a:spcAft>
+            </a:pPr>
+            <a:r>
+              <a:rPr lang="en-US" dirty="0"/>
+              <a:t>When a user sends a request, it first goes to the load balancer. The load balancer checks which server (or container) has space. Then, it sends the user to that container.</a:t>
+            </a:r>
+          </a:p>
+          <a:p>
+            <a:pPr>
+              <a:lnSpc>
+                <a:spcPct val="120000"/>
+              </a:lnSpc>
+              <a:spcBef>
+                <a:spcPts val="600"/>
+              </a:spcBef>
+              <a:spcAft>
+                <a:spcPts val="600"/>
+              </a:spcAft>
+            </a:pPr>
+            <a:r>
+              <a:rPr lang="en-US" dirty="0"/>
+              <a:t>If a container stops working (crashes or shuts down), the load balancer will move the user to another working container.</a:t>
+            </a:r>
+          </a:p>
+          <a:p>
+            <a:pPr>
+              <a:lnSpc>
+                <a:spcPct val="120000"/>
+              </a:lnSpc>
+              <a:spcBef>
+                <a:spcPts val="600"/>
+              </a:spcBef>
+              <a:spcAft>
+                <a:spcPts val="600"/>
+              </a:spcAft>
+            </a:pPr>
             <a:endParaRPr lang="en-US" dirty="0"/>
           </a:p>
           <a:p>
@@ -10616,6 +10673,268 @@
     <p:extLst>
       <p:ext uri="{BB962C8B-B14F-4D97-AF65-F5344CB8AC3E}">
         <p14:creationId xmlns:p14="http://schemas.microsoft.com/office/powerpoint/2010/main" val="2874806914"/>
+      </p:ext>
+    </p:extLst>
+  </p:cSld>
+  <p:clrMapOvr>
+    <a:masterClrMapping/>
+  </p:clrMapOvr>
+</p:sld>
+</file>
+
+<file path=ppt/slides/slide130.xml><?xml version="1.0" encoding="utf-8"?>
+<p:sld xmlns:a="http://schemas.openxmlformats.org/drawingml/2006/main" xmlns:r="http://schemas.openxmlformats.org/officeDocument/2006/relationships" xmlns:p="http://schemas.openxmlformats.org/presentationml/2006/main">
+  <p:cSld>
+    <p:spTree>
+      <p:nvGrpSpPr>
+        <p:cNvPr id="1" name="">
+          <a:extLst>
+            <a:ext uri="{FF2B5EF4-FFF2-40B4-BE49-F238E27FC236}">
+              <a16:creationId xmlns:a16="http://schemas.microsoft.com/office/drawing/2014/main" id="{84D38E99-ADF1-592B-7C0B-08D1D5AA3FE1}"/>
+            </a:ext>
+          </a:extLst>
+        </p:cNvPr>
+        <p:cNvGrpSpPr/>
+        <p:nvPr/>
+      </p:nvGrpSpPr>
+      <p:grpSpPr>
+        <a:xfrm>
+          <a:off x="0" y="0"/>
+          <a:ext cx="0" cy="0"/>
+          <a:chOff x="0" y="0"/>
+          <a:chExt cx="0" cy="0"/>
+        </a:xfrm>
+      </p:grpSpPr>
+      <p:sp>
+        <p:nvSpPr>
+          <p:cNvPr id="2" name="Title 1">
+            <a:extLst>
+              <a:ext uri="{FF2B5EF4-FFF2-40B4-BE49-F238E27FC236}">
+                <a16:creationId xmlns:a16="http://schemas.microsoft.com/office/drawing/2014/main" id="{3E2D4C3D-1881-83E9-5A02-E8EEACB8FB16}"/>
+              </a:ext>
+            </a:extLst>
+          </p:cNvPr>
+          <p:cNvSpPr>
+            <a:spLocks noGrp="1"/>
+          </p:cNvSpPr>
+          <p:nvPr>
+            <p:ph type="title"/>
+          </p:nvPr>
+        </p:nvSpPr>
+        <p:spPr>
+          <a:xfrm>
+            <a:off x="838200" y="365125"/>
+            <a:ext cx="10515600" cy="690677"/>
+          </a:xfrm>
+        </p:spPr>
+        <p:txBody>
+          <a:bodyPr>
+            <a:noAutofit/>
+          </a:bodyPr>
+          <a:lstStyle/>
+          <a:p>
+            <a:r>
+              <a:rPr lang="en-US" sz="3200" b="1" dirty="0"/>
+              <a:t>Conceptualizing an Email Agent: Our Mind Map Brainstorm</a:t>
+            </a:r>
+          </a:p>
+        </p:txBody>
+      </p:sp>
+      <p:sp>
+        <p:nvSpPr>
+          <p:cNvPr id="5" name="Content Placeholder 4">
+            <a:extLst>
+              <a:ext uri="{FF2B5EF4-FFF2-40B4-BE49-F238E27FC236}">
+                <a16:creationId xmlns:a16="http://schemas.microsoft.com/office/drawing/2014/main" id="{7976A89E-EC00-6688-4EA8-816EDEED643B}"/>
+              </a:ext>
+            </a:extLst>
+          </p:cNvPr>
+          <p:cNvSpPr>
+            <a:spLocks noGrp="1"/>
+          </p:cNvSpPr>
+          <p:nvPr>
+            <p:ph idx="1"/>
+          </p:nvPr>
+        </p:nvSpPr>
+        <p:spPr>
+          <a:xfrm>
+            <a:off x="838200" y="1055802"/>
+            <a:ext cx="10515600" cy="5121161"/>
+          </a:xfrm>
+        </p:spPr>
+        <p:txBody>
+          <a:bodyPr>
+            <a:normAutofit fontScale="92500" lnSpcReduction="10000"/>
+          </a:bodyPr>
+          <a:lstStyle/>
+          <a:p>
+            <a:pPr marL="0" indent="0">
+              <a:spcAft>
+                <a:spcPts val="1200"/>
+              </a:spcAft>
+              <a:buNone/>
+            </a:pPr>
+            <a:r>
+              <a:rPr lang="en-US" b="1" dirty="0">
+                <a:solidFill>
+                  <a:srgbClr val="C00000"/>
+                </a:solidFill>
+              </a:rPr>
+              <a:t>Discussion (cont.):</a:t>
+            </a:r>
+            <a:endParaRPr lang="en-US" sz="2700" b="1" dirty="0">
+              <a:solidFill>
+                <a:srgbClr val="C00000"/>
+              </a:solidFill>
+            </a:endParaRPr>
+          </a:p>
+          <a:p>
+            <a:pPr marL="0" indent="0">
+              <a:buNone/>
+            </a:pPr>
+            <a:r>
+              <a:rPr lang="en-US" b="1" dirty="0"/>
+              <a:t>But what happens to the user’s data when the container crashes?</a:t>
+            </a:r>
+          </a:p>
+          <a:p>
+            <a:pPr marL="0" indent="0">
+              <a:buNone/>
+            </a:pPr>
+            <a:r>
+              <a:rPr lang="en-US" dirty="0"/>
+              <a:t>Here’s how it works:</a:t>
+            </a:r>
+          </a:p>
+          <a:p>
+            <a:pPr lvl="1"/>
+            <a:r>
+              <a:rPr lang="en-US" dirty="0"/>
+              <a:t>Our system is </a:t>
+            </a:r>
+            <a:r>
+              <a:rPr lang="en-US" b="1" dirty="0"/>
+              <a:t>stateless</a:t>
+            </a:r>
+            <a:r>
+              <a:rPr lang="en-US" dirty="0"/>
+              <a:t>. This means we </a:t>
+            </a:r>
+            <a:r>
+              <a:rPr lang="en-US" b="1" dirty="0"/>
+              <a:t>do not save user data inside the container</a:t>
+            </a:r>
+            <a:r>
+              <a:rPr lang="en-US" dirty="0"/>
+              <a:t>.</a:t>
+            </a:r>
+          </a:p>
+          <a:p>
+            <a:pPr lvl="1"/>
+            <a:r>
+              <a:rPr lang="en-US" dirty="0"/>
+              <a:t>Instead, when a function runs and returns some data (called </a:t>
+            </a:r>
+            <a:r>
+              <a:rPr lang="en-US" b="1" dirty="0"/>
+              <a:t>state</a:t>
+            </a:r>
+            <a:r>
+              <a:rPr lang="en-US" dirty="0"/>
+              <a:t>), we </a:t>
+            </a:r>
+            <a:r>
+              <a:rPr lang="en-US" b="1" dirty="0"/>
+              <a:t>save that state in a separate storage</a:t>
+            </a:r>
+            <a:r>
+              <a:rPr lang="en-US" dirty="0"/>
+              <a:t>, </a:t>
+            </a:r>
+            <a:r>
+              <a:rPr lang="en-US" b="1" dirty="0"/>
+              <a:t>outside</a:t>
+            </a:r>
+            <a:r>
+              <a:rPr lang="en-US" dirty="0"/>
+              <a:t> the container.</a:t>
+            </a:r>
+          </a:p>
+          <a:p>
+            <a:pPr lvl="1"/>
+            <a:r>
+              <a:rPr lang="en-US" dirty="0"/>
+              <a:t>So, even if a container crashes, the user’s data is safe in that outside storage.</a:t>
+            </a:r>
+          </a:p>
+          <a:p>
+            <a:r>
+              <a:rPr lang="en-US" dirty="0"/>
+              <a:t>When the user is moved to a new container, the system can get the saved data from that outside storage and continue as normal.</a:t>
+            </a:r>
+          </a:p>
+          <a:p>
+            <a:r>
+              <a:rPr lang="en-US" dirty="0"/>
+              <a:t>There is also something called a </a:t>
+            </a:r>
+            <a:r>
+              <a:rPr lang="en-US" b="1" dirty="0"/>
+              <a:t>stickiness policy</a:t>
+            </a:r>
+            <a:r>
+              <a:rPr lang="en-US" dirty="0"/>
+              <a:t>. It tries to keep the user connected to the same container, so if the user reloads the page, they still see the same data. But if the container crashes, the user is moved to a new one, and the data is loaded again from storage.</a:t>
+            </a:r>
+          </a:p>
+          <a:p>
+            <a:pPr>
+              <a:lnSpc>
+                <a:spcPct val="120000"/>
+              </a:lnSpc>
+              <a:spcBef>
+                <a:spcPts val="600"/>
+              </a:spcBef>
+              <a:spcAft>
+                <a:spcPts val="600"/>
+              </a:spcAft>
+            </a:pPr>
+            <a:endParaRPr lang="en-US" dirty="0"/>
+          </a:p>
+          <a:p>
+            <a:pPr>
+              <a:lnSpc>
+                <a:spcPct val="120000"/>
+              </a:lnSpc>
+              <a:spcBef>
+                <a:spcPts val="600"/>
+              </a:spcBef>
+              <a:spcAft>
+                <a:spcPts val="600"/>
+              </a:spcAft>
+            </a:pPr>
+            <a:endParaRPr lang="en-US" dirty="0"/>
+          </a:p>
+          <a:p>
+            <a:pPr>
+              <a:lnSpc>
+                <a:spcPct val="120000"/>
+              </a:lnSpc>
+              <a:spcBef>
+                <a:spcPts val="600"/>
+              </a:spcBef>
+              <a:spcAft>
+                <a:spcPts val="600"/>
+              </a:spcAft>
+            </a:pPr>
+            <a:endParaRPr lang="en-US" dirty="0"/>
+          </a:p>
+        </p:txBody>
+      </p:sp>
+    </p:spTree>
+    <p:extLst>
+      <p:ext uri="{BB962C8B-B14F-4D97-AF65-F5344CB8AC3E}">
+        <p14:creationId xmlns:p14="http://schemas.microsoft.com/office/powerpoint/2010/main" val="3355975200"/>
       </p:ext>
     </p:extLst>
   </p:cSld>
